--- a/manual/Manual Silver Surfer.pptx
+++ b/manual/Manual Silver Surfer.pptx
@@ -3039,7 +3039,7 @@
                   <a:srgbClr val="000000"/>
                 </a:solidFill>
               </a:rPr>
-              <a:t>30.07.2020</a:t>
+              <a:t>04.08.2020</a:t>
             </a:fld>
             <a:endParaRPr lang="de-DE" dirty="0">
               <a:solidFill>
@@ -4078,7 +4078,7 @@
                   <a:srgbClr val="000000"/>
                 </a:solidFill>
               </a:rPr>
-              <a:t>30.07.2020</a:t>
+              <a:t>04.08.2020</a:t>
             </a:fld>
             <a:endParaRPr lang="de-DE" dirty="0">
               <a:solidFill>
@@ -6317,7 +6317,7 @@
             <a:p>
               <a:r>
                 <a:rPr lang="en-US" sz="1050" dirty="0"/>
-                <a:t>Not used</a:t>
+                <a:t>Change World</a:t>
               </a:r>
             </a:p>
           </p:txBody>
@@ -6537,7 +6537,7 @@
         <p:spPr>
           <a:xfrm>
             <a:off x="764704" y="1380946"/>
-            <a:ext cx="5328592" cy="3170099"/>
+            <a:ext cx="5328592" cy="3539430"/>
           </a:xfrm>
           <a:prstGeom prst="rect">
             <a:avLst/>
@@ -6573,7 +6573,7 @@
           <a:p>
             <a:r>
               <a:rPr lang="en-US" sz="1200" dirty="0"/>
-              <a:t>Through the option menu the jump button can be selected with the press of button 1. The currently selected jump button is displayed in the middle.</a:t>
+              <a:t>Through the option menu, the jump button can be selected with the press of button 1. The currently selected jump button is displayed in the middle. Same goes for the world selection. The moon world has less gravity therefore the silver surfer jumps higher and falls less fast.</a:t>
             </a:r>
             <a:br>
               <a:rPr lang="en-US" sz="1200" dirty="0"/>
@@ -6598,20 +6598,20 @@
           <a:p>
             <a:r>
               <a:rPr lang="en-US" sz="1200" dirty="0">
-                <a:latin typeface="Verdana" panose="020B0604030504040204" pitchFamily="34" charset="0"/>
+                <a:latin typeface="+mn-lt"/>
                 <a:ea typeface="Verdana" panose="020B0604030504040204" pitchFamily="34" charset="0"/>
               </a:rPr>
               <a:t>Silver Surfer is a clone of the popular Flappy Bird game. </a:t>
             </a:r>
             <a:br>
               <a:rPr lang="en-US" sz="1200" dirty="0">
-                <a:latin typeface="Verdana" panose="020B0604030504040204" pitchFamily="34" charset="0"/>
+                <a:latin typeface="+mn-lt"/>
                 <a:ea typeface="Verdana" panose="020B0604030504040204" pitchFamily="34" charset="0"/>
               </a:rPr>
             </a:br>
             <a:r>
               <a:rPr lang="en-US" sz="1200" dirty="0">
-                <a:latin typeface="Verdana" panose="020B0604030504040204" pitchFamily="34" charset="0"/>
+                <a:latin typeface="+mn-lt"/>
                 <a:ea typeface="Verdana" panose="020B0604030504040204" pitchFamily="34" charset="0"/>
               </a:rPr>
               <a:t>Silver Surfer jumps vertically with the press of a single button.</a:t>
@@ -6623,7 +6623,7 @@
                 <a:solidFill>
                   <a:srgbClr val="000000"/>
                 </a:solidFill>
-                <a:latin typeface="Verdana" panose="020B0604030504040204" pitchFamily="34" charset="0"/>
+                <a:latin typeface="+mn-lt"/>
               </a:rPr>
               <a:t>Navigate through the incoming obstacles and don't get hit!</a:t>
             </a:r>

--- a/manual/Manual Silver Surfer.pptx
+++ b/manual/Manual Silver Surfer.pptx
@@ -3039,7 +3039,7 @@
                   <a:srgbClr val="000000"/>
                 </a:solidFill>
               </a:rPr>
-              <a:t>04.08.2020</a:t>
+              <a:t>07.08.2020</a:t>
             </a:fld>
             <a:endParaRPr lang="de-DE" dirty="0">
               <a:solidFill>
@@ -4078,7 +4078,7 @@
                   <a:srgbClr val="000000"/>
                 </a:solidFill>
               </a:rPr>
-              <a:t>04.08.2020</a:t>
+              <a:t>07.08.2020</a:t>
             </a:fld>
             <a:endParaRPr lang="de-DE" dirty="0">
               <a:solidFill>
@@ -6387,7 +6387,7 @@
             <a:p>
               <a:r>
                 <a:rPr lang="en-US" sz="1050" dirty="0"/>
-                <a:t>Not used</a:t>
+                <a:t>Boost</a:t>
               </a:r>
             </a:p>
           </p:txBody>
@@ -6537,7 +6537,7 @@
         <p:spPr>
           <a:xfrm>
             <a:off x="764704" y="1380946"/>
-            <a:ext cx="5328592" cy="3539430"/>
+            <a:ext cx="5328592" cy="3908762"/>
           </a:xfrm>
           <a:prstGeom prst="rect">
             <a:avLst/>
@@ -6615,6 +6615,15 @@
                 <a:ea typeface="Verdana" panose="020B0604030504040204" pitchFamily="34" charset="0"/>
               </a:rPr>
               <a:t>Silver Surfer jumps vertically with the press of a single button.</a:t>
+            </a:r>
+          </a:p>
+          <a:p>
+            <a:r>
+              <a:rPr lang="en-US" sz="1200" dirty="0">
+                <a:latin typeface="+mn-lt"/>
+                <a:ea typeface="Verdana" panose="020B0604030504040204" pitchFamily="34" charset="0"/>
+              </a:rPr>
+              <a:t>With the boost jump Silver Surfer can jump even higher. Be careful, he’s exhausted after a boost jump.</a:t>
             </a:r>
           </a:p>
           <a:p>
